--- a/naruto.pptx
+++ b/naruto.pptx
@@ -8,6 +8,13 @@
     <p:sldId id="256" r:id="rId2"/>
     <p:sldId id="258" r:id="rId3"/>
     <p:sldId id="261" r:id="rId4"/>
+    <p:sldId id="262" r:id="rId5"/>
+    <p:sldId id="263" r:id="rId6"/>
+    <p:sldId id="264" r:id="rId7"/>
+    <p:sldId id="265" r:id="rId8"/>
+    <p:sldId id="266" r:id="rId9"/>
+    <p:sldId id="267" r:id="rId10"/>
+    <p:sldId id="268" r:id="rId11"/>
   </p:sldIdLst>
   <p:sldSz cx="9144000" cy="6858000" type="screen4x3"/>
   <p:notesSz cx="6858000" cy="9144000"/>
@@ -456,7 +463,7 @@
           <a:p>
             <a:fld id="{F85501A4-D81B-4654-84FC-05BA88F20D4E}" type="datetimeFigureOut">
               <a:rPr lang="ru-RU" smtClean="0"/>
-              <a:t>14.03.2021</a:t>
+              <a:t>19.03.2021</a:t>
             </a:fld>
             <a:endParaRPr lang="ru-RU"/>
           </a:p>
@@ -780,7 +787,7 @@
           <a:p>
             <a:fld id="{F85501A4-D81B-4654-84FC-05BA88F20D4E}" type="datetimeFigureOut">
               <a:rPr lang="ru-RU" smtClean="0"/>
-              <a:t>14.03.2021</a:t>
+              <a:t>19.03.2021</a:t>
             </a:fld>
             <a:endParaRPr lang="ru-RU"/>
           </a:p>
@@ -1028,7 +1035,7 @@
           <a:p>
             <a:fld id="{F85501A4-D81B-4654-84FC-05BA88F20D4E}" type="datetimeFigureOut">
               <a:rPr lang="ru-RU" smtClean="0"/>
-              <a:t>14.03.2021</a:t>
+              <a:t>19.03.2021</a:t>
             </a:fld>
             <a:endParaRPr lang="ru-RU"/>
           </a:p>
@@ -1367,7 +1374,7 @@
           <a:p>
             <a:fld id="{F85501A4-D81B-4654-84FC-05BA88F20D4E}" type="datetimeFigureOut">
               <a:rPr lang="ru-RU" smtClean="0"/>
-              <a:t>14.03.2021</a:t>
+              <a:t>19.03.2021</a:t>
             </a:fld>
             <a:endParaRPr lang="ru-RU"/>
           </a:p>
@@ -1714,7 +1721,7 @@
           <a:p>
             <a:fld id="{F85501A4-D81B-4654-84FC-05BA88F20D4E}" type="datetimeFigureOut">
               <a:rPr lang="ru-RU" smtClean="0"/>
-              <a:t>14.03.2021</a:t>
+              <a:t>19.03.2021</a:t>
             </a:fld>
             <a:endParaRPr lang="ru-RU"/>
           </a:p>
@@ -2088,7 +2095,7 @@
           <a:p>
             <a:fld id="{F85501A4-D81B-4654-84FC-05BA88F20D4E}" type="datetimeFigureOut">
               <a:rPr lang="ru-RU" smtClean="0"/>
-              <a:t>14.03.2021</a:t>
+              <a:t>19.03.2021</a:t>
             </a:fld>
             <a:endParaRPr lang="ru-RU"/>
           </a:p>
@@ -2558,7 +2565,7 @@
           <a:p>
             <a:fld id="{F85501A4-D81B-4654-84FC-05BA88F20D4E}" type="datetimeFigureOut">
               <a:rPr lang="ru-RU" smtClean="0"/>
-              <a:t>14.03.2021</a:t>
+              <a:t>19.03.2021</a:t>
             </a:fld>
             <a:endParaRPr lang="ru-RU"/>
           </a:p>
@@ -2768,7 +2775,7 @@
           <a:p>
             <a:fld id="{F85501A4-D81B-4654-84FC-05BA88F20D4E}" type="datetimeFigureOut">
               <a:rPr lang="ru-RU" smtClean="0"/>
-              <a:t>14.03.2021</a:t>
+              <a:t>19.03.2021</a:t>
             </a:fld>
             <a:endParaRPr lang="ru-RU"/>
           </a:p>
@@ -2979,7 +2986,7 @@
           <a:p>
             <a:fld id="{F85501A4-D81B-4654-84FC-05BA88F20D4E}" type="datetimeFigureOut">
               <a:rPr lang="ru-RU" smtClean="0"/>
-              <a:t>14.03.2021</a:t>
+              <a:t>19.03.2021</a:t>
             </a:fld>
             <a:endParaRPr lang="ru-RU"/>
           </a:p>
@@ -3211,7 +3218,7 @@
           <a:p>
             <a:fld id="{F85501A4-D81B-4654-84FC-05BA88F20D4E}" type="datetimeFigureOut">
               <a:rPr lang="ru-RU" smtClean="0"/>
-              <a:t>14.03.2021</a:t>
+              <a:t>19.03.2021</a:t>
             </a:fld>
             <a:endParaRPr lang="ru-RU"/>
           </a:p>
@@ -3459,7 +3466,7 @@
           <a:p>
             <a:fld id="{F85501A4-D81B-4654-84FC-05BA88F20D4E}" type="datetimeFigureOut">
               <a:rPr lang="ru-RU" smtClean="0"/>
-              <a:t>14.03.2021</a:t>
+              <a:t>19.03.2021</a:t>
             </a:fld>
             <a:endParaRPr lang="ru-RU"/>
           </a:p>
@@ -3762,7 +3769,7 @@
           <a:p>
             <a:fld id="{F85501A4-D81B-4654-84FC-05BA88F20D4E}" type="datetimeFigureOut">
               <a:rPr lang="ru-RU" smtClean="0"/>
-              <a:t>14.03.2021</a:t>
+              <a:t>19.03.2021</a:t>
             </a:fld>
             <a:endParaRPr lang="ru-RU"/>
           </a:p>
@@ -4144,7 +4151,7 @@
           <a:p>
             <a:fld id="{F85501A4-D81B-4654-84FC-05BA88F20D4E}" type="datetimeFigureOut">
               <a:rPr lang="ru-RU" smtClean="0"/>
-              <a:t>14.03.2021</a:t>
+              <a:t>19.03.2021</a:t>
             </a:fld>
             <a:endParaRPr lang="ru-RU"/>
           </a:p>
@@ -4298,7 +4305,7 @@
           <a:p>
             <a:fld id="{F85501A4-D81B-4654-84FC-05BA88F20D4E}" type="datetimeFigureOut">
               <a:rPr lang="ru-RU" smtClean="0"/>
-              <a:t>14.03.2021</a:t>
+              <a:t>19.03.2021</a:t>
             </a:fld>
             <a:endParaRPr lang="ru-RU"/>
           </a:p>
@@ -4424,7 +4431,7 @@
           <a:p>
             <a:fld id="{F85501A4-D81B-4654-84FC-05BA88F20D4E}" type="datetimeFigureOut">
               <a:rPr lang="ru-RU" smtClean="0"/>
-              <a:t>14.03.2021</a:t>
+              <a:t>19.03.2021</a:t>
             </a:fld>
             <a:endParaRPr lang="ru-RU"/>
           </a:p>
@@ -4679,7 +4686,7 @@
           <a:p>
             <a:fld id="{F85501A4-D81B-4654-84FC-05BA88F20D4E}" type="datetimeFigureOut">
               <a:rPr lang="ru-RU" smtClean="0"/>
-              <a:t>14.03.2021</a:t>
+              <a:t>19.03.2021</a:t>
             </a:fld>
             <a:endParaRPr lang="ru-RU"/>
           </a:p>
@@ -4993,7 +5000,7 @@
           <a:p>
             <a:fld id="{F85501A4-D81B-4654-84FC-05BA88F20D4E}" type="datetimeFigureOut">
               <a:rPr lang="ru-RU" smtClean="0"/>
-              <a:t>14.03.2021</a:t>
+              <a:t>19.03.2021</a:t>
             </a:fld>
             <a:endParaRPr lang="ru-RU"/>
           </a:p>
@@ -5344,7 +5351,7 @@
           <a:p>
             <a:fld id="{F85501A4-D81B-4654-84FC-05BA88F20D4E}" type="datetimeFigureOut">
               <a:rPr lang="ru-RU" smtClean="0"/>
-              <a:t>14.03.2021</a:t>
+              <a:t>19.03.2021</a:t>
             </a:fld>
             <a:endParaRPr lang="ru-RU"/>
           </a:p>
@@ -5942,7 +5949,6 @@
               <a:rPr lang="ru-RU" dirty="0" smtClean="0"/>
               <a:t>Соколов Денис, Данила Ермаков.</a:t>
             </a:r>
-            <a:endParaRPr lang="ru-RU" dirty="0" smtClean="0"/>
           </a:p>
           <a:p>
             <a:r>
@@ -5983,6 +5989,124 @@
 </p:sld>
 </file>
 
+<file path=ppt/slides/slide10.xml><?xml version="1.0" encoding="utf-8"?>
+<p:sld xmlns:a="http://schemas.openxmlformats.org/drawingml/2006/main" xmlns:r="http://schemas.openxmlformats.org/officeDocument/2006/relationships" xmlns:p="http://schemas.openxmlformats.org/presentationml/2006/main">
+  <p:cSld>
+    <p:spTree>
+      <p:nvGrpSpPr>
+        <p:cNvPr id="1" name=""/>
+        <p:cNvGrpSpPr/>
+        <p:nvPr/>
+      </p:nvGrpSpPr>
+      <p:grpSpPr>
+        <a:xfrm>
+          <a:off x="0" y="0"/>
+          <a:ext cx="0" cy="0"/>
+          <a:chOff x="0" y="0"/>
+          <a:chExt cx="0" cy="0"/>
+        </a:xfrm>
+      </p:grpSpPr>
+      <p:sp>
+        <p:nvSpPr>
+          <p:cNvPr id="2" name="Заголовок 1"/>
+          <p:cNvSpPr>
+            <a:spLocks noGrp="1"/>
+          </p:cNvSpPr>
+          <p:nvPr>
+            <p:ph type="title"/>
+          </p:nvPr>
+        </p:nvSpPr>
+        <p:spPr/>
+        <p:txBody>
+          <a:bodyPr/>
+          <a:lstStyle/>
+          <a:p>
+            <a:r>
+              <a:rPr lang="en-GB" dirty="0" err="1"/>
+              <a:t>def</a:t>
+            </a:r>
+            <a:r>
+              <a:rPr lang="en-GB" dirty="0"/>
+              <a:t> </a:t>
+            </a:r>
+            <a:r>
+              <a:rPr lang="en-GB" dirty="0" err="1"/>
+              <a:t>start_game</a:t>
+            </a:r>
+            <a:r>
+              <a:rPr lang="en-GB" dirty="0"/>
+              <a:t> </a:t>
+            </a:r>
+            <a:endParaRPr lang="ru-RU" dirty="0"/>
+          </a:p>
+        </p:txBody>
+      </p:sp>
+      <p:sp>
+        <p:nvSpPr>
+          <p:cNvPr id="3" name="Объект 2"/>
+          <p:cNvSpPr>
+            <a:spLocks noGrp="1"/>
+          </p:cNvSpPr>
+          <p:nvPr>
+            <p:ph idx="1"/>
+          </p:nvPr>
+        </p:nvSpPr>
+        <p:spPr/>
+        <p:txBody>
+          <a:bodyPr/>
+          <a:lstStyle/>
+          <a:p>
+            <a:r>
+              <a:rPr lang="ru-RU" dirty="0" smtClean="0"/>
+              <a:t>Самый главный игровой цикл. Сам по себе цикл большой, поэту на картинке он не весь.</a:t>
+            </a:r>
+            <a:endParaRPr lang="ru-RU" dirty="0"/>
+          </a:p>
+        </p:txBody>
+      </p:sp>
+      <p:pic>
+        <p:nvPicPr>
+          <p:cNvPr id="4" name="Рисунок 3"/>
+          <p:cNvPicPr>
+            <a:picLocks noChangeAspect="1"/>
+          </p:cNvPicPr>
+          <p:nvPr/>
+        </p:nvPicPr>
+        <p:blipFill>
+          <a:blip r:embed="rId2">
+            <a:extLst>
+              <a:ext uri="{28A0092B-C50C-407E-A947-70E740481C1C}">
+                <a14:useLocalDpi xmlns:a14="http://schemas.microsoft.com/office/drawing/2010/main" val="0"/>
+              </a:ext>
+            </a:extLst>
+          </a:blip>
+          <a:stretch>
+            <a:fillRect/>
+          </a:stretch>
+        </p:blipFill>
+        <p:spPr>
+          <a:xfrm>
+            <a:off x="1209617" y="3212977"/>
+            <a:ext cx="6107807" cy="3096344"/>
+          </a:xfrm>
+          <a:prstGeom prst="rect">
+            <a:avLst/>
+          </a:prstGeom>
+        </p:spPr>
+      </p:pic>
+    </p:spTree>
+    <p:extLst>
+      <p:ext uri="{BB962C8B-B14F-4D97-AF65-F5344CB8AC3E}">
+        <p14:creationId xmlns:p14="http://schemas.microsoft.com/office/powerpoint/2010/main" val="369447097"/>
+      </p:ext>
+    </p:extLst>
+  </p:cSld>
+  <p:clrMapOvr>
+    <a:masterClrMapping/>
+  </p:clrMapOvr>
+</p:sld>
+</file>
+
 <file path=ppt/slides/slide2.xml><?xml version="1.0" encoding="utf-8"?>
 <p:sld xmlns:a="http://schemas.openxmlformats.org/drawingml/2006/main" xmlns:r="http://schemas.openxmlformats.org/officeDocument/2006/relationships" xmlns:p="http://schemas.openxmlformats.org/presentationml/2006/main">
   <p:cSld>
@@ -6055,11 +6179,7 @@
             </a:r>
             <a:r>
               <a:rPr lang="ru-RU" dirty="0" smtClean="0"/>
-              <a:t>– </a:t>
-            </a:r>
-            <a:r>
-              <a:rPr lang="ru-RU" dirty="0" smtClean="0"/>
-              <a:t>выйти из игры</a:t>
+              <a:t>– выйти из игры</a:t>
             </a:r>
             <a:endParaRPr lang="en-US" dirty="0" smtClean="0"/>
           </a:p>
@@ -6070,11 +6190,7 @@
             </a:r>
             <a:r>
               <a:rPr lang="ru-RU" dirty="0" smtClean="0"/>
-              <a:t> – выключить или выключить </a:t>
-            </a:r>
-            <a:r>
-              <a:rPr lang="ru-RU" dirty="0" smtClean="0"/>
-              <a:t>музыку</a:t>
+              <a:t> – выключить или выключить музыку</a:t>
             </a:r>
             <a:endParaRPr lang="en-US" dirty="0" smtClean="0"/>
           </a:p>
@@ -6179,7 +6295,6 @@
               <a:rPr lang="ru-RU" dirty="0" smtClean="0"/>
               <a:t>бег</a:t>
             </a:r>
-            <a:endParaRPr lang="ru-RU" dirty="0" smtClean="0"/>
           </a:p>
           <a:p>
             <a:r>
@@ -6281,6 +6396,927 @@
       </p:par>
     </p:tnLst>
   </p:timing>
+</p:sld>
+</file>
+
+<file path=ppt/slides/slide4.xml><?xml version="1.0" encoding="utf-8"?>
+<p:sld xmlns:a="http://schemas.openxmlformats.org/drawingml/2006/main" xmlns:r="http://schemas.openxmlformats.org/officeDocument/2006/relationships" xmlns:p="http://schemas.openxmlformats.org/presentationml/2006/main">
+  <p:cSld>
+    <p:spTree>
+      <p:nvGrpSpPr>
+        <p:cNvPr id="1" name=""/>
+        <p:cNvGrpSpPr/>
+        <p:nvPr/>
+      </p:nvGrpSpPr>
+      <p:grpSpPr>
+        <a:xfrm>
+          <a:off x="0" y="0"/>
+          <a:ext cx="0" cy="0"/>
+          <a:chOff x="0" y="0"/>
+          <a:chExt cx="0" cy="0"/>
+        </a:xfrm>
+      </p:grpSpPr>
+      <p:sp>
+        <p:nvSpPr>
+          <p:cNvPr id="2" name="Заголовок 1"/>
+          <p:cNvSpPr>
+            <a:spLocks noGrp="1"/>
+          </p:cNvSpPr>
+          <p:nvPr>
+            <p:ph type="title"/>
+          </p:nvPr>
+        </p:nvSpPr>
+        <p:spPr/>
+        <p:txBody>
+          <a:bodyPr/>
+          <a:lstStyle/>
+          <a:p>
+            <a:r>
+              <a:rPr lang="ru-RU" dirty="0" smtClean="0"/>
+              <a:t>Персонаж</a:t>
+            </a:r>
+            <a:endParaRPr lang="ru-RU" dirty="0"/>
+          </a:p>
+        </p:txBody>
+      </p:sp>
+      <p:sp>
+        <p:nvSpPr>
+          <p:cNvPr id="3" name="Объект 2"/>
+          <p:cNvSpPr>
+            <a:spLocks noGrp="1"/>
+          </p:cNvSpPr>
+          <p:nvPr>
+            <p:ph idx="1"/>
+          </p:nvPr>
+        </p:nvSpPr>
+        <p:spPr>
+          <a:xfrm>
+            <a:off x="1176865" y="2490135"/>
+            <a:ext cx="3395135" cy="3444997"/>
+          </a:xfrm>
+        </p:spPr>
+        <p:txBody>
+          <a:bodyPr/>
+          <a:lstStyle/>
+          <a:p>
+            <a:r>
+              <a:rPr lang="ru-RU" dirty="0" smtClean="0"/>
+              <a:t>Главным героем игры является </a:t>
+            </a:r>
+            <a:r>
+              <a:rPr lang="ru-RU" dirty="0" err="1" smtClean="0"/>
+              <a:t>Наруто</a:t>
+            </a:r>
+            <a:r>
+              <a:rPr lang="ru-RU" dirty="0" smtClean="0"/>
+              <a:t>. Он может бегать, прыгать и метаться </a:t>
+            </a:r>
+            <a:r>
+              <a:rPr lang="ru-RU" dirty="0" err="1" smtClean="0"/>
+              <a:t>кунаями</a:t>
+            </a:r>
+            <a:r>
+              <a:rPr lang="ru-RU" dirty="0" smtClean="0"/>
+              <a:t>. И еще знает технику теневого клонирования(запрещённая техника).</a:t>
+            </a:r>
+            <a:endParaRPr lang="ru-RU" dirty="0"/>
+          </a:p>
+        </p:txBody>
+      </p:sp>
+      <p:pic>
+        <p:nvPicPr>
+          <p:cNvPr id="4" name="Рисунок 3"/>
+          <p:cNvPicPr>
+            <a:picLocks noChangeAspect="1"/>
+          </p:cNvPicPr>
+          <p:nvPr/>
+        </p:nvPicPr>
+        <p:blipFill>
+          <a:blip r:embed="rId2">
+            <a:extLst>
+              <a:ext uri="{28A0092B-C50C-407E-A947-70E740481C1C}">
+                <a14:useLocalDpi xmlns:a14="http://schemas.microsoft.com/office/drawing/2010/main" val="0"/>
+              </a:ext>
+            </a:extLst>
+          </a:blip>
+          <a:stretch>
+            <a:fillRect/>
+          </a:stretch>
+        </p:blipFill>
+        <p:spPr>
+          <a:xfrm>
+            <a:off x="5383312" y="3861048"/>
+            <a:ext cx="2592288" cy="2432413"/>
+          </a:xfrm>
+          <a:prstGeom prst="rect">
+            <a:avLst/>
+          </a:prstGeom>
+        </p:spPr>
+      </p:pic>
+    </p:spTree>
+    <p:extLst>
+      <p:ext uri="{BB962C8B-B14F-4D97-AF65-F5344CB8AC3E}">
+        <p14:creationId xmlns:p14="http://schemas.microsoft.com/office/powerpoint/2010/main" val="1628404918"/>
+      </p:ext>
+    </p:extLst>
+  </p:cSld>
+  <p:clrMapOvr>
+    <a:masterClrMapping/>
+  </p:clrMapOvr>
+</p:sld>
+</file>
+
+<file path=ppt/slides/slide5.xml><?xml version="1.0" encoding="utf-8"?>
+<p:sld xmlns:a="http://schemas.openxmlformats.org/drawingml/2006/main" xmlns:r="http://schemas.openxmlformats.org/officeDocument/2006/relationships" xmlns:p="http://schemas.openxmlformats.org/presentationml/2006/main">
+  <p:cSld>
+    <p:spTree>
+      <p:nvGrpSpPr>
+        <p:cNvPr id="1" name=""/>
+        <p:cNvGrpSpPr/>
+        <p:nvPr/>
+      </p:nvGrpSpPr>
+      <p:grpSpPr>
+        <a:xfrm>
+          <a:off x="0" y="0"/>
+          <a:ext cx="0" cy="0"/>
+          <a:chOff x="0" y="0"/>
+          <a:chExt cx="0" cy="0"/>
+        </a:xfrm>
+      </p:grpSpPr>
+      <p:sp>
+        <p:nvSpPr>
+          <p:cNvPr id="2" name="Заголовок 1"/>
+          <p:cNvSpPr>
+            <a:spLocks noGrp="1"/>
+          </p:cNvSpPr>
+          <p:nvPr>
+            <p:ph type="title"/>
+          </p:nvPr>
+        </p:nvSpPr>
+        <p:spPr/>
+        <p:txBody>
+          <a:bodyPr/>
+          <a:lstStyle/>
+          <a:p>
+            <a:r>
+              <a:rPr lang="ru-RU" dirty="0" smtClean="0"/>
+              <a:t>Враги</a:t>
+            </a:r>
+            <a:endParaRPr lang="ru-RU" dirty="0"/>
+          </a:p>
+        </p:txBody>
+      </p:sp>
+      <p:pic>
+        <p:nvPicPr>
+          <p:cNvPr id="4" name="Объект 3"/>
+          <p:cNvPicPr>
+            <a:picLocks noGrp="1" noChangeAspect="1"/>
+          </p:cNvPicPr>
+          <p:nvPr>
+            <p:ph idx="1"/>
+          </p:nvPr>
+        </p:nvPicPr>
+        <p:blipFill>
+          <a:blip r:embed="rId2">
+            <a:extLst>
+              <a:ext uri="{28A0092B-C50C-407E-A947-70E740481C1C}">
+                <a14:useLocalDpi xmlns:a14="http://schemas.microsoft.com/office/drawing/2010/main" val="0"/>
+              </a:ext>
+            </a:extLst>
+          </a:blip>
+          <a:stretch>
+            <a:fillRect/>
+          </a:stretch>
+        </p:blipFill>
+        <p:spPr>
+          <a:xfrm>
+            <a:off x="7452320" y="4293096"/>
+            <a:ext cx="2417068" cy="2020664"/>
+          </a:xfrm>
+        </p:spPr>
+      </p:pic>
+      <p:sp>
+        <p:nvSpPr>
+          <p:cNvPr id="3" name="Прямоугольник 2"/>
+          <p:cNvSpPr/>
+          <p:nvPr/>
+        </p:nvSpPr>
+        <p:spPr>
+          <a:xfrm>
+            <a:off x="1177515" y="2420888"/>
+            <a:ext cx="6798085" cy="646331"/>
+          </a:xfrm>
+          <a:prstGeom prst="rect">
+            <a:avLst/>
+          </a:prstGeom>
+        </p:spPr>
+        <p:txBody>
+          <a:bodyPr wrap="square">
+            <a:spAutoFit/>
+          </a:bodyPr>
+          <a:lstStyle/>
+          <a:p>
+            <a:r>
+              <a:rPr lang="ru-RU" dirty="0"/>
+              <a:t>В игре есть только один враг - </a:t>
+            </a:r>
+            <a:r>
+              <a:rPr lang="ru-RU" dirty="0" err="1" smtClean="0"/>
+              <a:t>Саске</a:t>
+            </a:r>
+            <a:r>
+              <a:rPr lang="ru-RU" dirty="0"/>
+              <a:t>. </a:t>
+            </a:r>
+            <a:r>
+              <a:rPr lang="ru-RU" dirty="0" smtClean="0"/>
+              <a:t>При </a:t>
+            </a:r>
+            <a:r>
+              <a:rPr lang="ru-RU" dirty="0" err="1" smtClean="0"/>
+              <a:t>поподании</a:t>
+            </a:r>
+            <a:r>
+              <a:rPr lang="ru-RU" dirty="0" smtClean="0"/>
+              <a:t> в него </a:t>
+            </a:r>
+            <a:r>
+              <a:rPr lang="ru-RU" dirty="0" err="1" smtClean="0"/>
+              <a:t>кунаем</a:t>
+            </a:r>
+            <a:r>
+              <a:rPr lang="ru-RU" dirty="0" smtClean="0"/>
+              <a:t> он падает и остаётся на том месте где упал</a:t>
+            </a:r>
+            <a:endParaRPr lang="ru-RU" dirty="0"/>
+          </a:p>
+        </p:txBody>
+      </p:sp>
+      <p:pic>
+        <p:nvPicPr>
+          <p:cNvPr id="5" name="Рисунок 4"/>
+          <p:cNvPicPr>
+            <a:picLocks noChangeAspect="1"/>
+          </p:cNvPicPr>
+          <p:nvPr/>
+        </p:nvPicPr>
+        <p:blipFill>
+          <a:blip r:embed="rId3">
+            <a:extLst>
+              <a:ext uri="{28A0092B-C50C-407E-A947-70E740481C1C}">
+                <a14:useLocalDpi xmlns:a14="http://schemas.microsoft.com/office/drawing/2010/main" val="0"/>
+              </a:ext>
+            </a:extLst>
+          </a:blip>
+          <a:stretch>
+            <a:fillRect/>
+          </a:stretch>
+        </p:blipFill>
+        <p:spPr>
+          <a:xfrm>
+            <a:off x="611560" y="4117007"/>
+            <a:ext cx="2060997" cy="2372841"/>
+          </a:xfrm>
+          <a:prstGeom prst="rect">
+            <a:avLst/>
+          </a:prstGeom>
+        </p:spPr>
+      </p:pic>
+    </p:spTree>
+    <p:extLst>
+      <p:ext uri="{BB962C8B-B14F-4D97-AF65-F5344CB8AC3E}">
+        <p14:creationId xmlns:p14="http://schemas.microsoft.com/office/powerpoint/2010/main" val="3385777197"/>
+      </p:ext>
+    </p:extLst>
+  </p:cSld>
+  <p:clrMapOvr>
+    <a:masterClrMapping/>
+  </p:clrMapOvr>
+</p:sld>
+</file>
+
+<file path=ppt/slides/slide6.xml><?xml version="1.0" encoding="utf-8"?>
+<p:sld xmlns:a="http://schemas.openxmlformats.org/drawingml/2006/main" xmlns:r="http://schemas.openxmlformats.org/officeDocument/2006/relationships" xmlns:p="http://schemas.openxmlformats.org/presentationml/2006/main">
+  <p:cSld>
+    <p:spTree>
+      <p:nvGrpSpPr>
+        <p:cNvPr id="1" name=""/>
+        <p:cNvGrpSpPr/>
+        <p:nvPr/>
+      </p:nvGrpSpPr>
+      <p:grpSpPr>
+        <a:xfrm>
+          <a:off x="0" y="0"/>
+          <a:ext cx="0" cy="0"/>
+          <a:chOff x="0" y="0"/>
+          <a:chExt cx="0" cy="0"/>
+        </a:xfrm>
+      </p:grpSpPr>
+      <p:sp>
+        <p:nvSpPr>
+          <p:cNvPr id="2" name="Заголовок 1"/>
+          <p:cNvSpPr>
+            <a:spLocks noGrp="1"/>
+          </p:cNvSpPr>
+          <p:nvPr>
+            <p:ph type="title"/>
+          </p:nvPr>
+        </p:nvSpPr>
+        <p:spPr/>
+        <p:txBody>
+          <a:bodyPr/>
+          <a:lstStyle/>
+          <a:p>
+            <a:r>
+              <a:rPr lang="ru-RU" dirty="0" smtClean="0"/>
+              <a:t>Игровой цикл</a:t>
+            </a:r>
+            <a:endParaRPr lang="ru-RU" dirty="0"/>
+          </a:p>
+        </p:txBody>
+      </p:sp>
+      <p:sp>
+        <p:nvSpPr>
+          <p:cNvPr id="3" name="Объект 2"/>
+          <p:cNvSpPr>
+            <a:spLocks noGrp="1"/>
+          </p:cNvSpPr>
+          <p:nvPr>
+            <p:ph idx="1"/>
+          </p:nvPr>
+        </p:nvSpPr>
+        <p:spPr>
+          <a:xfrm>
+            <a:off x="1176865" y="2490135"/>
+            <a:ext cx="6563487" cy="3444997"/>
+          </a:xfrm>
+        </p:spPr>
+        <p:txBody>
+          <a:bodyPr>
+            <a:normAutofit fontScale="70000" lnSpcReduction="20000"/>
+          </a:bodyPr>
+          <a:lstStyle/>
+          <a:p>
+            <a:r>
+              <a:rPr lang="ru-RU" dirty="0"/>
+              <a:t>При запуске кода начинает работать функция </a:t>
+            </a:r>
+            <a:r>
+              <a:rPr lang="ru-RU" dirty="0" err="1"/>
+              <a:t>def</a:t>
+            </a:r>
+            <a:r>
+              <a:rPr lang="ru-RU" dirty="0"/>
+              <a:t> </a:t>
+            </a:r>
+            <a:r>
+              <a:rPr lang="en-GB" dirty="0"/>
+              <a:t>show</a:t>
+            </a:r>
+            <a:r>
+              <a:rPr lang="ru-RU" dirty="0"/>
+              <a:t>_</a:t>
+            </a:r>
+            <a:r>
+              <a:rPr lang="ru-RU" dirty="0" err="1"/>
+              <a:t>menu</a:t>
+            </a:r>
+            <a:r>
+              <a:rPr lang="ru-RU" dirty="0"/>
+              <a:t> и показывать кнопки в центре экрана: </a:t>
+            </a:r>
+            <a:r>
+              <a:rPr lang="en-GB" dirty="0"/>
+              <a:t>play </a:t>
+            </a:r>
+            <a:r>
+              <a:rPr lang="ru-RU" dirty="0"/>
+              <a:t>и </a:t>
+            </a:r>
+            <a:r>
+              <a:rPr lang="en-GB" dirty="0"/>
+              <a:t>quit</a:t>
+            </a:r>
+            <a:r>
+              <a:rPr lang="ru-RU" dirty="0"/>
+              <a:t>. Также запускается функция </a:t>
+            </a:r>
+            <a:r>
+              <a:rPr lang="en-GB" dirty="0" err="1"/>
+              <a:t>def</a:t>
+            </a:r>
+            <a:r>
+              <a:rPr lang="en-GB" dirty="0"/>
+              <a:t> music</a:t>
+            </a:r>
+            <a:r>
+              <a:rPr lang="ru-RU" dirty="0"/>
+              <a:t> и начинает проигрывать мелодию. Музыку можно выключить кнопкой в левом верхнем углу. При нажатии кнопки </a:t>
+            </a:r>
+            <a:r>
+              <a:rPr lang="en-GB" dirty="0"/>
+              <a:t>play</a:t>
+            </a:r>
+            <a:r>
+              <a:rPr lang="ru-RU" dirty="0"/>
+              <a:t> запустится функция </a:t>
+            </a:r>
+            <a:r>
+              <a:rPr lang="en-GB" dirty="0" err="1"/>
+              <a:t>def</a:t>
+            </a:r>
+            <a:r>
+              <a:rPr lang="en-GB" dirty="0"/>
+              <a:t> start</a:t>
+            </a:r>
+            <a:r>
+              <a:rPr lang="ru-RU" dirty="0"/>
+              <a:t>_</a:t>
+            </a:r>
+            <a:r>
+              <a:rPr lang="en-GB" dirty="0"/>
+              <a:t>game</a:t>
+            </a:r>
+            <a:r>
+              <a:rPr lang="ru-RU" dirty="0"/>
+              <a:t> и начнет запускать саму игру и </a:t>
+            </a:r>
+            <a:r>
+              <a:rPr lang="en-GB" dirty="0" err="1"/>
+              <a:t>def</a:t>
+            </a:r>
+            <a:r>
+              <a:rPr lang="en-GB" dirty="0"/>
+              <a:t> draw</a:t>
+            </a:r>
+            <a:r>
+              <a:rPr lang="ru-RU" dirty="0"/>
+              <a:t>, которая будет выводить картинку на экран. Эта функция будет работать и при перемещении персонажа по карте. При метании </a:t>
+            </a:r>
+            <a:r>
+              <a:rPr lang="ru-RU" dirty="0" err="1"/>
+              <a:t>куная</a:t>
+            </a:r>
+            <a:r>
+              <a:rPr lang="ru-RU" dirty="0"/>
+              <a:t> запустится </a:t>
+            </a:r>
+            <a:r>
+              <a:rPr lang="en-GB" dirty="0"/>
+              <a:t>class Shuriken</a:t>
+            </a:r>
+            <a:r>
+              <a:rPr lang="ru-RU" dirty="0"/>
+              <a:t>, который запустит </a:t>
+            </a:r>
+            <a:r>
+              <a:rPr lang="en-US" dirty="0" err="1"/>
+              <a:t>def</a:t>
+            </a:r>
+            <a:r>
+              <a:rPr lang="en-US" dirty="0"/>
+              <a:t> draw</a:t>
+            </a:r>
+            <a:r>
+              <a:rPr lang="ru-RU" dirty="0"/>
+              <a:t>_</a:t>
+            </a:r>
+            <a:r>
+              <a:rPr lang="en-US" dirty="0" err="1"/>
+              <a:t>shur</a:t>
+            </a:r>
+            <a:r>
+              <a:rPr lang="ru-RU" dirty="0"/>
+              <a:t>, которая будет </a:t>
+            </a:r>
+            <a:r>
+              <a:rPr lang="ru-RU" dirty="0" err="1"/>
+              <a:t>отрисовывать</a:t>
+            </a:r>
+            <a:r>
+              <a:rPr lang="ru-RU" dirty="0"/>
+              <a:t> </a:t>
+            </a:r>
+            <a:r>
+              <a:rPr lang="ru-RU" dirty="0" err="1"/>
+              <a:t>кунай</a:t>
+            </a:r>
+            <a:r>
+              <a:rPr lang="ru-RU" dirty="0"/>
+              <a:t> при его перемещении. На одной из платформ будет стоять </a:t>
+            </a:r>
+            <a:r>
+              <a:rPr lang="ru-RU" dirty="0" err="1"/>
+              <a:t>саске</a:t>
+            </a:r>
+            <a:r>
+              <a:rPr lang="ru-RU" dirty="0"/>
+              <a:t>, при попадании </a:t>
+            </a:r>
+            <a:r>
+              <a:rPr lang="ru-RU" dirty="0" err="1"/>
+              <a:t>кунаем</a:t>
+            </a:r>
+            <a:r>
+              <a:rPr lang="ru-RU" dirty="0"/>
+              <a:t> </a:t>
+            </a:r>
+            <a:r>
+              <a:rPr lang="ru-RU" dirty="0" err="1"/>
+              <a:t>саске</a:t>
+            </a:r>
+            <a:r>
+              <a:rPr lang="ru-RU" dirty="0"/>
+              <a:t> упадёт и продолжит смирно лежать до завершения игрового цикла. Если игрок захочет клонировать </a:t>
+            </a:r>
+            <a:r>
+              <a:rPr lang="ru-RU" dirty="0" err="1"/>
+              <a:t>наруто</a:t>
+            </a:r>
+            <a:r>
+              <a:rPr lang="ru-RU" dirty="0"/>
+              <a:t>, то ему придётся нажать стрелочку вверх и появится клон, который умеет бегать, но не умеет прыгать. Он также умеет кидать </a:t>
+            </a:r>
+            <a:r>
+              <a:rPr lang="ru-RU" dirty="0" err="1"/>
+              <a:t>кунай</a:t>
+            </a:r>
+            <a:r>
+              <a:rPr lang="ru-RU" dirty="0"/>
+              <a:t>.</a:t>
+            </a:r>
+          </a:p>
+          <a:p>
+            <a:endParaRPr lang="ru-RU" dirty="0"/>
+          </a:p>
+        </p:txBody>
+      </p:sp>
+    </p:spTree>
+    <p:extLst>
+      <p:ext uri="{BB962C8B-B14F-4D97-AF65-F5344CB8AC3E}">
+        <p14:creationId xmlns:p14="http://schemas.microsoft.com/office/powerpoint/2010/main" val="3035345063"/>
+      </p:ext>
+    </p:extLst>
+  </p:cSld>
+  <p:clrMapOvr>
+    <a:masterClrMapping/>
+  </p:clrMapOvr>
+</p:sld>
+</file>
+
+<file path=ppt/slides/slide7.xml><?xml version="1.0" encoding="utf-8"?>
+<p:sld xmlns:a="http://schemas.openxmlformats.org/drawingml/2006/main" xmlns:r="http://schemas.openxmlformats.org/officeDocument/2006/relationships" xmlns:p="http://schemas.openxmlformats.org/presentationml/2006/main">
+  <p:cSld>
+    <p:spTree>
+      <p:nvGrpSpPr>
+        <p:cNvPr id="1" name=""/>
+        <p:cNvGrpSpPr/>
+        <p:nvPr/>
+      </p:nvGrpSpPr>
+      <p:grpSpPr>
+        <a:xfrm>
+          <a:off x="0" y="0"/>
+          <a:ext cx="0" cy="0"/>
+          <a:chOff x="0" y="0"/>
+          <a:chExt cx="0" cy="0"/>
+        </a:xfrm>
+      </p:grpSpPr>
+      <p:sp>
+        <p:nvSpPr>
+          <p:cNvPr id="2" name="Заголовок 1"/>
+          <p:cNvSpPr>
+            <a:spLocks noGrp="1"/>
+          </p:cNvSpPr>
+          <p:nvPr>
+            <p:ph type="title"/>
+          </p:nvPr>
+        </p:nvSpPr>
+        <p:spPr/>
+        <p:txBody>
+          <a:bodyPr>
+            <a:normAutofit/>
+          </a:bodyPr>
+          <a:lstStyle/>
+          <a:p>
+            <a:r>
+              <a:rPr lang="ru-RU" dirty="0" err="1"/>
+              <a:t>class</a:t>
+            </a:r>
+            <a:r>
+              <a:rPr lang="ru-RU" dirty="0"/>
+              <a:t> </a:t>
+            </a:r>
+            <a:r>
+              <a:rPr lang="ru-RU" dirty="0" err="1"/>
+              <a:t>Platform</a:t>
+            </a:r>
+            <a:r>
+              <a:rPr lang="ru-RU" dirty="0"/>
+              <a:t> </a:t>
+            </a:r>
+            <a:r>
+              <a:rPr lang="ru-RU" dirty="0" smtClean="0"/>
+              <a:t> </a:t>
+            </a:r>
+            <a:endParaRPr lang="ru-RU" dirty="0"/>
+          </a:p>
+        </p:txBody>
+      </p:sp>
+      <p:sp>
+        <p:nvSpPr>
+          <p:cNvPr id="3" name="Объект 2"/>
+          <p:cNvSpPr>
+            <a:spLocks noGrp="1"/>
+          </p:cNvSpPr>
+          <p:nvPr>
+            <p:ph idx="1"/>
+          </p:nvPr>
+        </p:nvSpPr>
+        <p:spPr/>
+        <p:txBody>
+          <a:bodyPr/>
+          <a:lstStyle/>
+          <a:p>
+            <a:r>
+              <a:rPr lang="ru-RU" dirty="0"/>
+              <a:t>К</a:t>
+            </a:r>
+            <a:r>
+              <a:rPr lang="ru-RU" dirty="0" smtClean="0"/>
+              <a:t>ласс </a:t>
+            </a:r>
+            <a:r>
+              <a:rPr lang="ru-RU" dirty="0"/>
+              <a:t>земли и левитирующих </a:t>
+            </a:r>
+            <a:r>
+              <a:rPr lang="ru-RU" dirty="0" smtClean="0"/>
+              <a:t>платформ.</a:t>
+            </a:r>
+            <a:endParaRPr lang="ru-RU" dirty="0"/>
+          </a:p>
+        </p:txBody>
+      </p:sp>
+      <p:pic>
+        <p:nvPicPr>
+          <p:cNvPr id="4" name="Рисунок 3"/>
+          <p:cNvPicPr>
+            <a:picLocks noChangeAspect="1"/>
+          </p:cNvPicPr>
+          <p:nvPr/>
+        </p:nvPicPr>
+        <p:blipFill>
+          <a:blip r:embed="rId2">
+            <a:extLst>
+              <a:ext uri="{28A0092B-C50C-407E-A947-70E740481C1C}">
+                <a14:useLocalDpi xmlns:a14="http://schemas.microsoft.com/office/drawing/2010/main" val="0"/>
+              </a:ext>
+            </a:extLst>
+          </a:blip>
+          <a:stretch>
+            <a:fillRect/>
+          </a:stretch>
+        </p:blipFill>
+        <p:spPr>
+          <a:xfrm>
+            <a:off x="1403648" y="3260000"/>
+            <a:ext cx="4782217" cy="1905266"/>
+          </a:xfrm>
+          <a:prstGeom prst="rect">
+            <a:avLst/>
+          </a:prstGeom>
+        </p:spPr>
+      </p:pic>
+    </p:spTree>
+    <p:extLst>
+      <p:ext uri="{BB962C8B-B14F-4D97-AF65-F5344CB8AC3E}">
+        <p14:creationId xmlns:p14="http://schemas.microsoft.com/office/powerpoint/2010/main" val="1404917444"/>
+      </p:ext>
+    </p:extLst>
+  </p:cSld>
+  <p:clrMapOvr>
+    <a:masterClrMapping/>
+  </p:clrMapOvr>
+</p:sld>
+</file>
+
+<file path=ppt/slides/slide8.xml><?xml version="1.0" encoding="utf-8"?>
+<p:sld xmlns:a="http://schemas.openxmlformats.org/drawingml/2006/main" xmlns:r="http://schemas.openxmlformats.org/officeDocument/2006/relationships" xmlns:p="http://schemas.openxmlformats.org/presentationml/2006/main">
+  <p:cSld>
+    <p:spTree>
+      <p:nvGrpSpPr>
+        <p:cNvPr id="1" name=""/>
+        <p:cNvGrpSpPr/>
+        <p:nvPr/>
+      </p:nvGrpSpPr>
+      <p:grpSpPr>
+        <a:xfrm>
+          <a:off x="0" y="0"/>
+          <a:ext cx="0" cy="0"/>
+          <a:chOff x="0" y="0"/>
+          <a:chExt cx="0" cy="0"/>
+        </a:xfrm>
+      </p:grpSpPr>
+      <p:sp>
+        <p:nvSpPr>
+          <p:cNvPr id="2" name="Заголовок 1"/>
+          <p:cNvSpPr>
+            <a:spLocks noGrp="1"/>
+          </p:cNvSpPr>
+          <p:nvPr>
+            <p:ph type="title"/>
+          </p:nvPr>
+        </p:nvSpPr>
+        <p:spPr/>
+        <p:txBody>
+          <a:bodyPr/>
+          <a:lstStyle/>
+          <a:p>
+            <a:r>
+              <a:rPr lang="en-GB" dirty="0"/>
+              <a:t>class Shuriken </a:t>
+            </a:r>
+            <a:endParaRPr lang="ru-RU" dirty="0"/>
+          </a:p>
+        </p:txBody>
+      </p:sp>
+      <p:sp>
+        <p:nvSpPr>
+          <p:cNvPr id="3" name="Объект 2"/>
+          <p:cNvSpPr>
+            <a:spLocks noGrp="1"/>
+          </p:cNvSpPr>
+          <p:nvPr>
+            <p:ph idx="1"/>
+          </p:nvPr>
+        </p:nvSpPr>
+        <p:spPr/>
+        <p:txBody>
+          <a:bodyPr/>
+          <a:lstStyle/>
+          <a:p>
+            <a:r>
+              <a:rPr lang="ru-RU" dirty="0" smtClean="0"/>
+              <a:t>Класс </a:t>
+            </a:r>
+            <a:r>
+              <a:rPr lang="ru-RU" dirty="0" err="1" smtClean="0"/>
+              <a:t>кунаев</a:t>
+            </a:r>
+            <a:r>
+              <a:rPr lang="ru-RU" dirty="0" smtClean="0"/>
+              <a:t> и их метаний.</a:t>
+            </a:r>
+            <a:endParaRPr lang="ru-RU" dirty="0"/>
+          </a:p>
+        </p:txBody>
+      </p:sp>
+      <p:pic>
+        <p:nvPicPr>
+          <p:cNvPr id="4" name="Рисунок 3"/>
+          <p:cNvPicPr>
+            <a:picLocks noChangeAspect="1"/>
+          </p:cNvPicPr>
+          <p:nvPr/>
+        </p:nvPicPr>
+        <p:blipFill>
+          <a:blip r:embed="rId2">
+            <a:extLst>
+              <a:ext uri="{28A0092B-C50C-407E-A947-70E740481C1C}">
+                <a14:useLocalDpi xmlns:a14="http://schemas.microsoft.com/office/drawing/2010/main" val="0"/>
+              </a:ext>
+            </a:extLst>
+          </a:blip>
+          <a:stretch>
+            <a:fillRect/>
+          </a:stretch>
+        </p:blipFill>
+        <p:spPr>
+          <a:xfrm>
+            <a:off x="1331640" y="2971321"/>
+            <a:ext cx="5210902" cy="3248478"/>
+          </a:xfrm>
+          <a:prstGeom prst="rect">
+            <a:avLst/>
+          </a:prstGeom>
+        </p:spPr>
+      </p:pic>
+    </p:spTree>
+    <p:extLst>
+      <p:ext uri="{BB962C8B-B14F-4D97-AF65-F5344CB8AC3E}">
+        <p14:creationId xmlns:p14="http://schemas.microsoft.com/office/powerpoint/2010/main" val="927186993"/>
+      </p:ext>
+    </p:extLst>
+  </p:cSld>
+  <p:clrMapOvr>
+    <a:masterClrMapping/>
+  </p:clrMapOvr>
+</p:sld>
+</file>
+
+<file path=ppt/slides/slide9.xml><?xml version="1.0" encoding="utf-8"?>
+<p:sld xmlns:a="http://schemas.openxmlformats.org/drawingml/2006/main" xmlns:r="http://schemas.openxmlformats.org/officeDocument/2006/relationships" xmlns:p="http://schemas.openxmlformats.org/presentationml/2006/main">
+  <p:cSld>
+    <p:spTree>
+      <p:nvGrpSpPr>
+        <p:cNvPr id="1" name=""/>
+        <p:cNvGrpSpPr/>
+        <p:nvPr/>
+      </p:nvGrpSpPr>
+      <p:grpSpPr>
+        <a:xfrm>
+          <a:off x="0" y="0"/>
+          <a:ext cx="0" cy="0"/>
+          <a:chOff x="0" y="0"/>
+          <a:chExt cx="0" cy="0"/>
+        </a:xfrm>
+      </p:grpSpPr>
+      <p:sp>
+        <p:nvSpPr>
+          <p:cNvPr id="2" name="Заголовок 1"/>
+          <p:cNvSpPr>
+            <a:spLocks noGrp="1"/>
+          </p:cNvSpPr>
+          <p:nvPr>
+            <p:ph type="title"/>
+          </p:nvPr>
+        </p:nvSpPr>
+        <p:spPr/>
+        <p:txBody>
+          <a:bodyPr/>
+          <a:lstStyle/>
+          <a:p>
+            <a:r>
+              <a:rPr lang="en-GB" dirty="0"/>
+              <a:t>class button </a:t>
+            </a:r>
+            <a:endParaRPr lang="ru-RU" dirty="0"/>
+          </a:p>
+        </p:txBody>
+      </p:sp>
+      <p:sp>
+        <p:nvSpPr>
+          <p:cNvPr id="3" name="Объект 2"/>
+          <p:cNvSpPr>
+            <a:spLocks noGrp="1"/>
+          </p:cNvSpPr>
+          <p:nvPr>
+            <p:ph idx="1"/>
+          </p:nvPr>
+        </p:nvSpPr>
+        <p:spPr/>
+        <p:txBody>
+          <a:bodyPr/>
+          <a:lstStyle/>
+          <a:p>
+            <a:r>
+              <a:rPr lang="ru-RU" dirty="0" smtClean="0"/>
+              <a:t>Класс кнопок и их действия.</a:t>
+            </a:r>
+            <a:endParaRPr lang="ru-RU" dirty="0"/>
+          </a:p>
+        </p:txBody>
+      </p:sp>
+      <p:pic>
+        <p:nvPicPr>
+          <p:cNvPr id="4" name="Рисунок 3"/>
+          <p:cNvPicPr>
+            <a:picLocks noChangeAspect="1"/>
+          </p:cNvPicPr>
+          <p:nvPr/>
+        </p:nvPicPr>
+        <p:blipFill>
+          <a:blip r:embed="rId2">
+            <a:extLst>
+              <a:ext uri="{28A0092B-C50C-407E-A947-70E740481C1C}">
+                <a14:useLocalDpi xmlns:a14="http://schemas.microsoft.com/office/drawing/2010/main" val="0"/>
+              </a:ext>
+            </a:extLst>
+          </a:blip>
+          <a:stretch>
+            <a:fillRect/>
+          </a:stretch>
+        </p:blipFill>
+        <p:spPr>
+          <a:xfrm>
+            <a:off x="1403648" y="2924944"/>
+            <a:ext cx="3672408" cy="3502433"/>
+          </a:xfrm>
+          <a:prstGeom prst="rect">
+            <a:avLst/>
+          </a:prstGeom>
+        </p:spPr>
+      </p:pic>
+    </p:spTree>
+    <p:extLst>
+      <p:ext uri="{BB962C8B-B14F-4D97-AF65-F5344CB8AC3E}">
+        <p14:creationId xmlns:p14="http://schemas.microsoft.com/office/powerpoint/2010/main" val="3125698309"/>
+      </p:ext>
+    </p:extLst>
+  </p:cSld>
+  <p:clrMapOvr>
+    <a:masterClrMapping/>
+  </p:clrMapOvr>
 </p:sld>
 </file>
 
